--- a/A6/docs/System_Design.pptx
+++ b/A6/docs/System_Design.pptx
@@ -156,7 +156,7 @@
           <p:cNvPr id="2" name="Header Placeholder 1">
             <a:extLst>
               <a:ext uri="{FF2B5EF4-FFF2-40B4-BE49-F238E27FC236}">
-                <a16:creationId xmlns="" xmlns:a16="http://schemas.microsoft.com/office/drawing/2014/main" id="{4A259BEA-82BC-4476-91F2-380E77DBADB6}"/>
+                <a16:creationId xmlns:a16="http://schemas.microsoft.com/office/drawing/2014/main" xmlns="" id="{4A259BEA-82BC-4476-91F2-380E77DBADB6}"/>
               </a:ext>
             </a:extLst>
           </p:cNvPr>
@@ -193,7 +193,7 @@
           <p:cNvPr id="3" name="Date Placeholder 2">
             <a:extLst>
               <a:ext uri="{FF2B5EF4-FFF2-40B4-BE49-F238E27FC236}">
-                <a16:creationId xmlns="" xmlns:a16="http://schemas.microsoft.com/office/drawing/2014/main" id="{729DE9C3-2AB8-44E5-BCFE-5DD42DFC5640}"/>
+                <a16:creationId xmlns:a16="http://schemas.microsoft.com/office/drawing/2014/main" xmlns="" id="{729DE9C3-2AB8-44E5-BCFE-5DD42DFC5640}"/>
               </a:ext>
             </a:extLst>
           </p:cNvPr>
@@ -223,7 +223,7 @@
           <a:p>
             <a:fld id="{A6D7858F-6309-4F09-BEA0-6CBF97E55806}" type="datetimeFigureOut">
               <a:rPr lang="en-US" smtClean="0"/>
-              <a:t>4/17/2020</a:t>
+              <a:t>4/18/2020</a:t>
             </a:fld>
             <a:endParaRPr lang="en-US" dirty="0"/>
           </a:p>
@@ -234,7 +234,7 @@
           <p:cNvPr id="4" name="Footer Placeholder 3">
             <a:extLst>
               <a:ext uri="{FF2B5EF4-FFF2-40B4-BE49-F238E27FC236}">
-                <a16:creationId xmlns="" xmlns:a16="http://schemas.microsoft.com/office/drawing/2014/main" id="{5E1B971B-9BC3-41DB-91DC-F03F5C808D7A}"/>
+                <a16:creationId xmlns:a16="http://schemas.microsoft.com/office/drawing/2014/main" xmlns="" id="{5E1B971B-9BC3-41DB-91DC-F03F5C808D7A}"/>
               </a:ext>
             </a:extLst>
           </p:cNvPr>
@@ -271,7 +271,7 @@
           <p:cNvPr id="5" name="Slide Number Placeholder 4">
             <a:extLst>
               <a:ext uri="{FF2B5EF4-FFF2-40B4-BE49-F238E27FC236}">
-                <a16:creationId xmlns="" xmlns:a16="http://schemas.microsoft.com/office/drawing/2014/main" id="{74A0720E-F4E2-435B-A885-9194BA30267C}"/>
+                <a16:creationId xmlns:a16="http://schemas.microsoft.com/office/drawing/2014/main" xmlns="" id="{74A0720E-F4E2-435B-A885-9194BA30267C}"/>
               </a:ext>
             </a:extLst>
           </p:cNvPr>
@@ -400,7 +400,7 @@
           <a:p>
             <a:fld id="{F4F53C5D-CD12-6D4C-A980-0612968271E2}" type="datetimeFigureOut">
               <a:rPr lang="en-US" smtClean="0"/>
-              <a:t>4/17/2020</a:t>
+              <a:t>4/18/2020</a:t>
             </a:fld>
             <a:endParaRPr lang="en-US" dirty="0"/>
           </a:p>
@@ -1305,7 +1305,7 @@
           <a:p>
             <a:fld id="{75D0B1B9-C7DF-F64A-B488-12B3D5090923}" type="datetime1">
               <a:rPr lang="en-US" noProof="0" smtClean="0"/>
-              <a:t>4/17/2020</a:t>
+              <a:t>4/18/2020</a:t>
             </a:fld>
             <a:endParaRPr lang="en-US" noProof="0" dirty="0"/>
           </a:p>
@@ -2300,7 +2300,7 @@
           <p:cNvPr id="22" name="Picture Placeholder 21">
             <a:extLst>
               <a:ext uri="{FF2B5EF4-FFF2-40B4-BE49-F238E27FC236}">
-                <a16:creationId xmlns="" xmlns:a16="http://schemas.microsoft.com/office/drawing/2014/main" id="{215A5A73-8E13-4E38-8362-0A09BA944115}"/>
+                <a16:creationId xmlns:a16="http://schemas.microsoft.com/office/drawing/2014/main" xmlns="" id="{215A5A73-8E13-4E38-8362-0A09BA944115}"/>
               </a:ext>
             </a:extLst>
           </p:cNvPr>
@@ -2532,7 +2532,7 @@
           <a:p>
             <a:fld id="{163A5200-74F0-9445-8847-A53AA9C11C7B}" type="datetime1">
               <a:rPr lang="en-US" noProof="0" smtClean="0"/>
-              <a:t>4/17/2020</a:t>
+              <a:t>4/18/2020</a:t>
             </a:fld>
             <a:endParaRPr lang="en-US" noProof="0" dirty="0"/>
           </a:p>
@@ -3469,7 +3469,7 @@
           <p:cNvPr id="11" name="Content Placeholder 10">
             <a:extLst>
               <a:ext uri="{FF2B5EF4-FFF2-40B4-BE49-F238E27FC236}">
-                <a16:creationId xmlns="" xmlns:a16="http://schemas.microsoft.com/office/drawing/2014/main" id="{B50BDD93-02DA-4B21-9556-FA8B9894F903}"/>
+                <a16:creationId xmlns:a16="http://schemas.microsoft.com/office/drawing/2014/main" xmlns="" id="{B50BDD93-02DA-4B21-9556-FA8B9894F903}"/>
               </a:ext>
             </a:extLst>
           </p:cNvPr>
@@ -3964,7 +3964,7 @@
           <a:p>
             <a:fld id="{163A5200-74F0-9445-8847-A53AA9C11C7B}" type="datetime1">
               <a:rPr lang="en-US" noProof="0" smtClean="0"/>
-              <a:t>4/17/2020</a:t>
+              <a:t>4/18/2020</a:t>
             </a:fld>
             <a:endParaRPr lang="en-US" noProof="0" dirty="0"/>
           </a:p>
@@ -4236,7 +4236,7 @@
           <a:p>
             <a:fld id="{21B17C1C-DA5E-F743-826B-CB70C940D4E6}" type="datetime1">
               <a:rPr lang="en-US" noProof="0" smtClean="0"/>
-              <a:t>4/17/2020</a:t>
+              <a:t>4/18/2020</a:t>
             </a:fld>
             <a:endParaRPr lang="en-US" noProof="0" dirty="0"/>
           </a:p>
@@ -4618,7 +4618,7 @@
           <a:p>
             <a:fld id="{E6F10E4C-E478-1D40-94DF-17D7429B053A}" type="datetime1">
               <a:rPr lang="en-US" noProof="0" smtClean="0"/>
-              <a:t>4/17/2020</a:t>
+              <a:t>4/18/2020</a:t>
             </a:fld>
             <a:endParaRPr lang="en-US" noProof="0" dirty="0"/>
           </a:p>
@@ -4736,7 +4736,7 @@
           <a:p>
             <a:fld id="{AC1A9061-1D22-724D-9508-7BAEAF287353}" type="datetime1">
               <a:rPr lang="en-US" noProof="0" smtClean="0"/>
-              <a:t>4/17/2020</a:t>
+              <a:t>4/18/2020</a:t>
             </a:fld>
             <a:endParaRPr lang="en-US" noProof="0" dirty="0"/>
           </a:p>
@@ -4854,7 +4854,7 @@
           <a:p>
             <a:fld id="{AC1A9061-1D22-724D-9508-7BAEAF287353}" type="datetime1">
               <a:rPr lang="en-US" noProof="0" smtClean="0"/>
-              <a:t>4/17/2020</a:t>
+              <a:t>4/18/2020</a:t>
             </a:fld>
             <a:endParaRPr lang="en-US" noProof="0" dirty="0"/>
           </a:p>
@@ -4907,7 +4907,7 @@
           <p:cNvPr id="7" name="Text Placeholder 6">
             <a:extLst>
               <a:ext uri="{FF2B5EF4-FFF2-40B4-BE49-F238E27FC236}">
-                <a16:creationId xmlns="" xmlns:a16="http://schemas.microsoft.com/office/drawing/2014/main" id="{575C1B7F-CD73-441E-89FC-46AA9E8B519B}"/>
+                <a16:creationId xmlns:a16="http://schemas.microsoft.com/office/drawing/2014/main" xmlns="" id="{575C1B7F-CD73-441E-89FC-46AA9E8B519B}"/>
               </a:ext>
             </a:extLst>
           </p:cNvPr>
@@ -4994,7 +4994,7 @@
           <a:p>
             <a:fld id="{A4205E0F-8980-D24A-B2F9-0C7A13C6A6DE}" type="datetime1">
               <a:rPr lang="en-US" noProof="0" smtClean="0"/>
-              <a:t>4/17/2020</a:t>
+              <a:t>4/18/2020</a:t>
             </a:fld>
             <a:endParaRPr lang="en-US" noProof="0" dirty="0"/>
           </a:p>
@@ -5200,7 +5200,7 @@
           <a:p>
             <a:fld id="{06D41EE2-1449-2741-9D08-61623EFC2A0E}" type="datetime1">
               <a:rPr lang="en-US" noProof="0" smtClean="0"/>
-              <a:t>4/17/2020</a:t>
+              <a:t>4/18/2020</a:t>
             </a:fld>
             <a:endParaRPr lang="en-US" noProof="0" dirty="0"/>
           </a:p>
@@ -6262,7 +6262,7 @@
           <a:p>
             <a:fld id="{9DAF7560-49B8-714F-A7F1-D946D3E64C23}" type="datetime1">
               <a:rPr lang="en-US" noProof="0" smtClean="0"/>
-              <a:t>4/17/2020</a:t>
+              <a:t>4/18/2020</a:t>
             </a:fld>
             <a:endParaRPr lang="en-US" noProof="0" dirty="0"/>
           </a:p>
@@ -6381,7 +6381,7 @@
           <p:cNvPr id="23" name="Group 22">
             <a:extLst>
               <a:ext uri="{FF2B5EF4-FFF2-40B4-BE49-F238E27FC236}">
-                <a16:creationId xmlns="" xmlns:a16="http://schemas.microsoft.com/office/drawing/2014/main" id="{A9677FD5-9A91-4866-B075-6DDE16433AC7}"/>
+                <a16:creationId xmlns:a16="http://schemas.microsoft.com/office/drawing/2014/main" xmlns="" id="{A9677FD5-9A91-4866-B075-6DDE16433AC7}"/>
               </a:ext>
             </a:extLst>
           </p:cNvPr>
@@ -6897,7 +6897,7 @@
           <a:p>
             <a:fld id="{7DD9237C-03C9-D843-906B-96D98C6B2D61}" type="datetime1">
               <a:rPr lang="en-US" noProof="0" smtClean="0"/>
-              <a:t>4/17/2020</a:t>
+              <a:t>4/18/2020</a:t>
             </a:fld>
             <a:endParaRPr lang="en-US" noProof="0" dirty="0"/>
           </a:p>
@@ -7016,7 +7016,7 @@
           <p:cNvPr id="10" name="Text Placeholder 9">
             <a:extLst>
               <a:ext uri="{FF2B5EF4-FFF2-40B4-BE49-F238E27FC236}">
-                <a16:creationId xmlns="" xmlns:a16="http://schemas.microsoft.com/office/drawing/2014/main" id="{5B480622-FB8F-493B-9965-971B07D752E2}"/>
+                <a16:creationId xmlns:a16="http://schemas.microsoft.com/office/drawing/2014/main" xmlns="" id="{5B480622-FB8F-493B-9965-971B07D752E2}"/>
               </a:ext>
             </a:extLst>
           </p:cNvPr>
@@ -7074,7 +7074,7 @@
           <p:cNvPr id="16" name="Text Placeholder 9">
             <a:extLst>
               <a:ext uri="{FF2B5EF4-FFF2-40B4-BE49-F238E27FC236}">
-                <a16:creationId xmlns="" xmlns:a16="http://schemas.microsoft.com/office/drawing/2014/main" id="{2C5BC223-8B87-4685-A901-71B07847E41C}"/>
+                <a16:creationId xmlns:a16="http://schemas.microsoft.com/office/drawing/2014/main" xmlns="" id="{2C5BC223-8B87-4685-A901-71B07847E41C}"/>
               </a:ext>
             </a:extLst>
           </p:cNvPr>
@@ -7132,7 +7132,7 @@
           <p:cNvPr id="17" name="Text Placeholder 9">
             <a:extLst>
               <a:ext uri="{FF2B5EF4-FFF2-40B4-BE49-F238E27FC236}">
-                <a16:creationId xmlns="" xmlns:a16="http://schemas.microsoft.com/office/drawing/2014/main" id="{1AE3DDF2-FC22-4381-9763-408FEF9648BD}"/>
+                <a16:creationId xmlns:a16="http://schemas.microsoft.com/office/drawing/2014/main" xmlns="" id="{1AE3DDF2-FC22-4381-9763-408FEF9648BD}"/>
               </a:ext>
             </a:extLst>
           </p:cNvPr>
@@ -7190,7 +7190,7 @@
           <p:cNvPr id="18" name="Text Placeholder 9">
             <a:extLst>
               <a:ext uri="{FF2B5EF4-FFF2-40B4-BE49-F238E27FC236}">
-                <a16:creationId xmlns="" xmlns:a16="http://schemas.microsoft.com/office/drawing/2014/main" id="{6170A2BF-28BF-4B27-B92D-B1423601B767}"/>
+                <a16:creationId xmlns:a16="http://schemas.microsoft.com/office/drawing/2014/main" xmlns="" id="{6170A2BF-28BF-4B27-B92D-B1423601B767}"/>
               </a:ext>
             </a:extLst>
           </p:cNvPr>
@@ -7248,7 +7248,7 @@
           <p:cNvPr id="19" name="Text Placeholder 9">
             <a:extLst>
               <a:ext uri="{FF2B5EF4-FFF2-40B4-BE49-F238E27FC236}">
-                <a16:creationId xmlns="" xmlns:a16="http://schemas.microsoft.com/office/drawing/2014/main" id="{2DB1D08C-9D26-4EC5-B935-D6A265A2A672}"/>
+                <a16:creationId xmlns:a16="http://schemas.microsoft.com/office/drawing/2014/main" xmlns="" id="{2DB1D08C-9D26-4EC5-B935-D6A265A2A672}"/>
               </a:ext>
             </a:extLst>
           </p:cNvPr>
@@ -7306,7 +7306,7 @@
           <p:cNvPr id="23" name="Group 22">
             <a:extLst>
               <a:ext uri="{FF2B5EF4-FFF2-40B4-BE49-F238E27FC236}">
-                <a16:creationId xmlns="" xmlns:a16="http://schemas.microsoft.com/office/drawing/2014/main" id="{A9677FD5-9A91-4866-B075-6DDE16433AC7}"/>
+                <a16:creationId xmlns:a16="http://schemas.microsoft.com/office/drawing/2014/main" xmlns="" id="{A9677FD5-9A91-4866-B075-6DDE16433AC7}"/>
               </a:ext>
             </a:extLst>
           </p:cNvPr>
@@ -7822,7 +7822,7 @@
           <a:p>
             <a:fld id="{397BD2BD-1F35-9841-A6BF-76BE540EE01F}" type="datetime1">
               <a:rPr lang="en-US" noProof="0" smtClean="0"/>
-              <a:t>4/17/2020</a:t>
+              <a:t>4/18/2020</a:t>
             </a:fld>
             <a:endParaRPr lang="en-US" noProof="0" dirty="0"/>
           </a:p>
@@ -7911,7 +7911,7 @@
           <p:cNvPr id="14" name="Picture Placeholder 13">
             <a:extLst>
               <a:ext uri="{FF2B5EF4-FFF2-40B4-BE49-F238E27FC236}">
-                <a16:creationId xmlns="" xmlns:a16="http://schemas.microsoft.com/office/drawing/2014/main" id="{9DDAF6ED-5E16-4D29-98B7-FB80DB3AAFEC}"/>
+                <a16:creationId xmlns:a16="http://schemas.microsoft.com/office/drawing/2014/main" xmlns="" id="{9DDAF6ED-5E16-4D29-98B7-FB80DB3AAFEC}"/>
               </a:ext>
             </a:extLst>
           </p:cNvPr>
@@ -7951,7 +7951,7 @@
           <p:cNvPr id="21" name="Picture Placeholder 13">
             <a:extLst>
               <a:ext uri="{FF2B5EF4-FFF2-40B4-BE49-F238E27FC236}">
-                <a16:creationId xmlns="" xmlns:a16="http://schemas.microsoft.com/office/drawing/2014/main" id="{8C305CB7-F303-430E-951A-7FC6F97062AA}"/>
+                <a16:creationId xmlns:a16="http://schemas.microsoft.com/office/drawing/2014/main" xmlns="" id="{8C305CB7-F303-430E-951A-7FC6F97062AA}"/>
               </a:ext>
             </a:extLst>
           </p:cNvPr>
@@ -7991,7 +7991,7 @@
           <p:cNvPr id="22" name="Picture Placeholder 13">
             <a:extLst>
               <a:ext uri="{FF2B5EF4-FFF2-40B4-BE49-F238E27FC236}">
-                <a16:creationId xmlns="" xmlns:a16="http://schemas.microsoft.com/office/drawing/2014/main" id="{84D427E5-ED69-4A46-A9B7-F4DC4466F320}"/>
+                <a16:creationId xmlns:a16="http://schemas.microsoft.com/office/drawing/2014/main" xmlns="" id="{84D427E5-ED69-4A46-A9B7-F4DC4466F320}"/>
               </a:ext>
             </a:extLst>
           </p:cNvPr>
@@ -8031,7 +8031,7 @@
           <p:cNvPr id="24" name="Picture Placeholder 13">
             <a:extLst>
               <a:ext uri="{FF2B5EF4-FFF2-40B4-BE49-F238E27FC236}">
-                <a16:creationId xmlns="" xmlns:a16="http://schemas.microsoft.com/office/drawing/2014/main" id="{3DDA902F-61D6-4F1C-86C6-D1F5584AE8B3}"/>
+                <a16:creationId xmlns:a16="http://schemas.microsoft.com/office/drawing/2014/main" xmlns="" id="{3DDA902F-61D6-4F1C-86C6-D1F5584AE8B3}"/>
               </a:ext>
             </a:extLst>
           </p:cNvPr>
@@ -8071,7 +8071,7 @@
           <p:cNvPr id="26" name="Picture Placeholder 13">
             <a:extLst>
               <a:ext uri="{FF2B5EF4-FFF2-40B4-BE49-F238E27FC236}">
-                <a16:creationId xmlns="" xmlns:a16="http://schemas.microsoft.com/office/drawing/2014/main" id="{D8B6871A-9C69-4437-A5AD-A0400BAF2C6D}"/>
+                <a16:creationId xmlns:a16="http://schemas.microsoft.com/office/drawing/2014/main" xmlns="" id="{D8B6871A-9C69-4437-A5AD-A0400BAF2C6D}"/>
               </a:ext>
             </a:extLst>
           </p:cNvPr>
@@ -8141,7 +8141,7 @@
           <p:cNvPr id="31" name="Oval 30">
             <a:extLst>
               <a:ext uri="{FF2B5EF4-FFF2-40B4-BE49-F238E27FC236}">
-                <a16:creationId xmlns="" xmlns:a16="http://schemas.microsoft.com/office/drawing/2014/main" id="{B8ACAEC3-8D8C-3848-8630-7A0DFF3F6116}"/>
+                <a16:creationId xmlns:a16="http://schemas.microsoft.com/office/drawing/2014/main" xmlns="" id="{B8ACAEC3-8D8C-3848-8630-7A0DFF3F6116}"/>
               </a:ext>
             </a:extLst>
           </p:cNvPr>
@@ -8197,7 +8197,7 @@
           <p:cNvPr id="32" name="Picture Placeholder 9">
             <a:extLst>
               <a:ext uri="{FF2B5EF4-FFF2-40B4-BE49-F238E27FC236}">
-                <a16:creationId xmlns="" xmlns:a16="http://schemas.microsoft.com/office/drawing/2014/main" id="{CC12BEA0-F502-0646-A370-7ECF194608D0}"/>
+                <a16:creationId xmlns:a16="http://schemas.microsoft.com/office/drawing/2014/main" xmlns="" id="{CC12BEA0-F502-0646-A370-7ECF194608D0}"/>
               </a:ext>
             </a:extLst>
           </p:cNvPr>
@@ -8242,7 +8242,7 @@
           <p:cNvPr id="29" name="Oval 28">
             <a:extLst>
               <a:ext uri="{FF2B5EF4-FFF2-40B4-BE49-F238E27FC236}">
-                <a16:creationId xmlns="" xmlns:a16="http://schemas.microsoft.com/office/drawing/2014/main" id="{D58C6160-632A-B540-A7E5-81F40CEC1FE7}"/>
+                <a16:creationId xmlns:a16="http://schemas.microsoft.com/office/drawing/2014/main" xmlns="" id="{D58C6160-632A-B540-A7E5-81F40CEC1FE7}"/>
               </a:ext>
             </a:extLst>
           </p:cNvPr>
@@ -8298,7 +8298,7 @@
           <p:cNvPr id="30" name="Picture Placeholder 9">
             <a:extLst>
               <a:ext uri="{FF2B5EF4-FFF2-40B4-BE49-F238E27FC236}">
-                <a16:creationId xmlns="" xmlns:a16="http://schemas.microsoft.com/office/drawing/2014/main" id="{EB2FEBB6-C1E0-0D47-8CCC-05EE2F756590}"/>
+                <a16:creationId xmlns:a16="http://schemas.microsoft.com/office/drawing/2014/main" xmlns="" id="{EB2FEBB6-C1E0-0D47-8CCC-05EE2F756590}"/>
               </a:ext>
             </a:extLst>
           </p:cNvPr>
@@ -8343,7 +8343,7 @@
           <p:cNvPr id="22" name="Oval 21">
             <a:extLst>
               <a:ext uri="{FF2B5EF4-FFF2-40B4-BE49-F238E27FC236}">
-                <a16:creationId xmlns="" xmlns:a16="http://schemas.microsoft.com/office/drawing/2014/main" id="{7215E544-9553-AC42-B5C3-F7AE9AD6D815}"/>
+                <a16:creationId xmlns:a16="http://schemas.microsoft.com/office/drawing/2014/main" xmlns="" id="{7215E544-9553-AC42-B5C3-F7AE9AD6D815}"/>
               </a:ext>
             </a:extLst>
           </p:cNvPr>
@@ -8399,7 +8399,7 @@
           <p:cNvPr id="3" name="Oval 2">
             <a:extLst>
               <a:ext uri="{FF2B5EF4-FFF2-40B4-BE49-F238E27FC236}">
-                <a16:creationId xmlns="" xmlns:a16="http://schemas.microsoft.com/office/drawing/2014/main" id="{F76E934A-C634-DF4D-992A-6E01917693AD}"/>
+                <a16:creationId xmlns:a16="http://schemas.microsoft.com/office/drawing/2014/main" xmlns="" id="{F76E934A-C634-DF4D-992A-6E01917693AD}"/>
               </a:ext>
             </a:extLst>
           </p:cNvPr>
@@ -8455,7 +8455,7 @@
           <p:cNvPr id="23" name="Group 22">
             <a:extLst>
               <a:ext uri="{FF2B5EF4-FFF2-40B4-BE49-F238E27FC236}">
-                <a16:creationId xmlns="" xmlns:a16="http://schemas.microsoft.com/office/drawing/2014/main" id="{A9677FD5-9A91-4866-B075-6DDE16433AC7}"/>
+                <a16:creationId xmlns:a16="http://schemas.microsoft.com/office/drawing/2014/main" xmlns="" id="{A9677FD5-9A91-4866-B075-6DDE16433AC7}"/>
               </a:ext>
             </a:extLst>
           </p:cNvPr>
@@ -8971,7 +8971,7 @@
           <a:p>
             <a:fld id="{6E94F40A-5592-5744-BFD7-61B04D70BFE7}" type="datetime1">
               <a:rPr lang="en-US" noProof="0" smtClean="0"/>
-              <a:t>4/17/2020</a:t>
+              <a:t>4/18/2020</a:t>
             </a:fld>
             <a:endParaRPr lang="en-US" noProof="0" dirty="0"/>
           </a:p>
@@ -9060,7 +9060,7 @@
           <p:cNvPr id="14" name="Text Placeholder 13">
             <a:extLst>
               <a:ext uri="{FF2B5EF4-FFF2-40B4-BE49-F238E27FC236}">
-                <a16:creationId xmlns="" xmlns:a16="http://schemas.microsoft.com/office/drawing/2014/main" id="{9ADD13A9-A8EA-4B1C-AE31-FE189E0E8B86}"/>
+                <a16:creationId xmlns:a16="http://schemas.microsoft.com/office/drawing/2014/main" xmlns="" id="{9ADD13A9-A8EA-4B1C-AE31-FE189E0E8B86}"/>
               </a:ext>
             </a:extLst>
           </p:cNvPr>
@@ -9101,7 +9101,7 @@
           <p:cNvPr id="18" name="Text Placeholder 13">
             <a:extLst>
               <a:ext uri="{FF2B5EF4-FFF2-40B4-BE49-F238E27FC236}">
-                <a16:creationId xmlns="" xmlns:a16="http://schemas.microsoft.com/office/drawing/2014/main" id="{A2BAC124-81DA-4B8B-86CD-75C69A4D0DBB}"/>
+                <a16:creationId xmlns:a16="http://schemas.microsoft.com/office/drawing/2014/main" xmlns="" id="{A2BAC124-81DA-4B8B-86CD-75C69A4D0DBB}"/>
               </a:ext>
             </a:extLst>
           </p:cNvPr>
@@ -9142,7 +9142,7 @@
           <p:cNvPr id="26" name="Text Placeholder 13">
             <a:extLst>
               <a:ext uri="{FF2B5EF4-FFF2-40B4-BE49-F238E27FC236}">
-                <a16:creationId xmlns="" xmlns:a16="http://schemas.microsoft.com/office/drawing/2014/main" id="{B493D355-B592-4395-8255-D1D4FB1CF1A6}"/>
+                <a16:creationId xmlns:a16="http://schemas.microsoft.com/office/drawing/2014/main" xmlns="" id="{B493D355-B592-4395-8255-D1D4FB1CF1A6}"/>
               </a:ext>
             </a:extLst>
           </p:cNvPr>
@@ -9183,7 +9183,7 @@
           <p:cNvPr id="28" name="Text Placeholder 13">
             <a:extLst>
               <a:ext uri="{FF2B5EF4-FFF2-40B4-BE49-F238E27FC236}">
-                <a16:creationId xmlns="" xmlns:a16="http://schemas.microsoft.com/office/drawing/2014/main" id="{D0A496BB-AA13-44AE-AFA6-30D4ED5099E9}"/>
+                <a16:creationId xmlns:a16="http://schemas.microsoft.com/office/drawing/2014/main" xmlns="" id="{D0A496BB-AA13-44AE-AFA6-30D4ED5099E9}"/>
               </a:ext>
             </a:extLst>
           </p:cNvPr>
@@ -9224,7 +9224,7 @@
           <p:cNvPr id="20" name="Picture Placeholder 9">
             <a:extLst>
               <a:ext uri="{FF2B5EF4-FFF2-40B4-BE49-F238E27FC236}">
-                <a16:creationId xmlns="" xmlns:a16="http://schemas.microsoft.com/office/drawing/2014/main" id="{8E97E18E-0E31-B542-9578-D6E4DCD84680}"/>
+                <a16:creationId xmlns:a16="http://schemas.microsoft.com/office/drawing/2014/main" xmlns="" id="{8E97E18E-0E31-B542-9578-D6E4DCD84680}"/>
               </a:ext>
             </a:extLst>
           </p:cNvPr>
@@ -9269,7 +9269,7 @@
           <p:cNvPr id="24" name="Picture Placeholder 9">
             <a:extLst>
               <a:ext uri="{FF2B5EF4-FFF2-40B4-BE49-F238E27FC236}">
-                <a16:creationId xmlns="" xmlns:a16="http://schemas.microsoft.com/office/drawing/2014/main" id="{7602DDF7-46BD-6045-BDB0-45F47B0B6A9C}"/>
+                <a16:creationId xmlns:a16="http://schemas.microsoft.com/office/drawing/2014/main" xmlns="" id="{7602DDF7-46BD-6045-BDB0-45F47B0B6A9C}"/>
               </a:ext>
             </a:extLst>
           </p:cNvPr>
@@ -9344,7 +9344,7 @@
           <p:cNvPr id="20" name="Oval 19">
             <a:extLst>
               <a:ext uri="{FF2B5EF4-FFF2-40B4-BE49-F238E27FC236}">
-                <a16:creationId xmlns="" xmlns:a16="http://schemas.microsoft.com/office/drawing/2014/main" id="{86F73ED6-3B3B-5A45-912C-FCFD7D53593C}"/>
+                <a16:creationId xmlns:a16="http://schemas.microsoft.com/office/drawing/2014/main" xmlns="" id="{86F73ED6-3B3B-5A45-912C-FCFD7D53593C}"/>
               </a:ext>
             </a:extLst>
           </p:cNvPr>
@@ -9398,7 +9398,7 @@
           <p:cNvPr id="21" name="Picture Placeholder 9">
             <a:extLst>
               <a:ext uri="{FF2B5EF4-FFF2-40B4-BE49-F238E27FC236}">
-                <a16:creationId xmlns="" xmlns:a16="http://schemas.microsoft.com/office/drawing/2014/main" id="{B5971407-B12A-EE45-895D-769807DFC767}"/>
+                <a16:creationId xmlns:a16="http://schemas.microsoft.com/office/drawing/2014/main" xmlns="" id="{B5971407-B12A-EE45-895D-769807DFC767}"/>
               </a:ext>
             </a:extLst>
           </p:cNvPr>
@@ -9443,7 +9443,7 @@
           <p:cNvPr id="22" name="Oval 21">
             <a:extLst>
               <a:ext uri="{FF2B5EF4-FFF2-40B4-BE49-F238E27FC236}">
-                <a16:creationId xmlns="" xmlns:a16="http://schemas.microsoft.com/office/drawing/2014/main" id="{36215321-76D7-AD41-B779-DE347C617DB3}"/>
+                <a16:creationId xmlns:a16="http://schemas.microsoft.com/office/drawing/2014/main" xmlns="" id="{36215321-76D7-AD41-B779-DE347C617DB3}"/>
               </a:ext>
             </a:extLst>
           </p:cNvPr>
@@ -9497,7 +9497,7 @@
           <p:cNvPr id="24" name="Picture Placeholder 9">
             <a:extLst>
               <a:ext uri="{FF2B5EF4-FFF2-40B4-BE49-F238E27FC236}">
-                <a16:creationId xmlns="" xmlns:a16="http://schemas.microsoft.com/office/drawing/2014/main" id="{E61684B2-1403-BD44-80B1-6A5C0D0A3C67}"/>
+                <a16:creationId xmlns:a16="http://schemas.microsoft.com/office/drawing/2014/main" xmlns="" id="{E61684B2-1403-BD44-80B1-6A5C0D0A3C67}"/>
               </a:ext>
             </a:extLst>
           </p:cNvPr>
@@ -9542,7 +9542,7 @@
           <p:cNvPr id="29" name="Oval 28">
             <a:extLst>
               <a:ext uri="{FF2B5EF4-FFF2-40B4-BE49-F238E27FC236}">
-                <a16:creationId xmlns="" xmlns:a16="http://schemas.microsoft.com/office/drawing/2014/main" id="{3B87B079-A5F0-D34B-90BD-17403B51EF47}"/>
+                <a16:creationId xmlns:a16="http://schemas.microsoft.com/office/drawing/2014/main" xmlns="" id="{3B87B079-A5F0-D34B-90BD-17403B51EF47}"/>
               </a:ext>
             </a:extLst>
           </p:cNvPr>
@@ -9596,7 +9596,7 @@
           <p:cNvPr id="30" name="Oval 29">
             <a:extLst>
               <a:ext uri="{FF2B5EF4-FFF2-40B4-BE49-F238E27FC236}">
-                <a16:creationId xmlns="" xmlns:a16="http://schemas.microsoft.com/office/drawing/2014/main" id="{67169BE7-153A-034D-B3C8-A226C22DE09C}"/>
+                <a16:creationId xmlns:a16="http://schemas.microsoft.com/office/drawing/2014/main" xmlns="" id="{67169BE7-153A-034D-B3C8-A226C22DE09C}"/>
               </a:ext>
             </a:extLst>
           </p:cNvPr>
@@ -9650,7 +9650,7 @@
           <p:cNvPr id="31" name="Picture Placeholder 9">
             <a:extLst>
               <a:ext uri="{FF2B5EF4-FFF2-40B4-BE49-F238E27FC236}">
-                <a16:creationId xmlns="" xmlns:a16="http://schemas.microsoft.com/office/drawing/2014/main" id="{604C6493-8619-1749-A32C-8C1C4E875339}"/>
+                <a16:creationId xmlns:a16="http://schemas.microsoft.com/office/drawing/2014/main" xmlns="" id="{604C6493-8619-1749-A32C-8C1C4E875339}"/>
               </a:ext>
             </a:extLst>
           </p:cNvPr>
@@ -9695,7 +9695,7 @@
           <p:cNvPr id="32" name="Picture Placeholder 9">
             <a:extLst>
               <a:ext uri="{FF2B5EF4-FFF2-40B4-BE49-F238E27FC236}">
-                <a16:creationId xmlns="" xmlns:a16="http://schemas.microsoft.com/office/drawing/2014/main" id="{EE25A905-577F-154D-BA89-4F485EEBC4BD}"/>
+                <a16:creationId xmlns:a16="http://schemas.microsoft.com/office/drawing/2014/main" xmlns="" id="{EE25A905-577F-154D-BA89-4F485EEBC4BD}"/>
               </a:ext>
             </a:extLst>
           </p:cNvPr>
@@ -9740,7 +9740,7 @@
           <p:cNvPr id="23" name="Group 22">
             <a:extLst>
               <a:ext uri="{FF2B5EF4-FFF2-40B4-BE49-F238E27FC236}">
-                <a16:creationId xmlns="" xmlns:a16="http://schemas.microsoft.com/office/drawing/2014/main" id="{A9677FD5-9A91-4866-B075-6DDE16433AC7}"/>
+                <a16:creationId xmlns:a16="http://schemas.microsoft.com/office/drawing/2014/main" xmlns="" id="{A9677FD5-9A91-4866-B075-6DDE16433AC7}"/>
               </a:ext>
             </a:extLst>
           </p:cNvPr>
@@ -10256,7 +10256,7 @@
           <a:p>
             <a:fld id="{A177F711-7020-994E-A797-D04033A0CF12}" type="datetime1">
               <a:rPr lang="en-US" noProof="0" smtClean="0"/>
-              <a:t>4/17/2020</a:t>
+              <a:t>4/18/2020</a:t>
             </a:fld>
             <a:endParaRPr lang="en-US" noProof="0" dirty="0"/>
           </a:p>
@@ -10345,7 +10345,7 @@
           <p:cNvPr id="14" name="Text Placeholder 13">
             <a:extLst>
               <a:ext uri="{FF2B5EF4-FFF2-40B4-BE49-F238E27FC236}">
-                <a16:creationId xmlns="" xmlns:a16="http://schemas.microsoft.com/office/drawing/2014/main" id="{9ADD13A9-A8EA-4B1C-AE31-FE189E0E8B86}"/>
+                <a16:creationId xmlns:a16="http://schemas.microsoft.com/office/drawing/2014/main" xmlns="" id="{9ADD13A9-A8EA-4B1C-AE31-FE189E0E8B86}"/>
               </a:ext>
             </a:extLst>
           </p:cNvPr>
@@ -10386,7 +10386,7 @@
           <p:cNvPr id="18" name="Text Placeholder 13">
             <a:extLst>
               <a:ext uri="{FF2B5EF4-FFF2-40B4-BE49-F238E27FC236}">
-                <a16:creationId xmlns="" xmlns:a16="http://schemas.microsoft.com/office/drawing/2014/main" id="{A2BAC124-81DA-4B8B-86CD-75C69A4D0DBB}"/>
+                <a16:creationId xmlns:a16="http://schemas.microsoft.com/office/drawing/2014/main" xmlns="" id="{A2BAC124-81DA-4B8B-86CD-75C69A4D0DBB}"/>
               </a:ext>
             </a:extLst>
           </p:cNvPr>
@@ -10427,7 +10427,7 @@
           <p:cNvPr id="26" name="Text Placeholder 13">
             <a:extLst>
               <a:ext uri="{FF2B5EF4-FFF2-40B4-BE49-F238E27FC236}">
-                <a16:creationId xmlns="" xmlns:a16="http://schemas.microsoft.com/office/drawing/2014/main" id="{B493D355-B592-4395-8255-D1D4FB1CF1A6}"/>
+                <a16:creationId xmlns:a16="http://schemas.microsoft.com/office/drawing/2014/main" xmlns="" id="{B493D355-B592-4395-8255-D1D4FB1CF1A6}"/>
               </a:ext>
             </a:extLst>
           </p:cNvPr>
@@ -10468,7 +10468,7 @@
           <p:cNvPr id="28" name="Text Placeholder 13">
             <a:extLst>
               <a:ext uri="{FF2B5EF4-FFF2-40B4-BE49-F238E27FC236}">
-                <a16:creationId xmlns="" xmlns:a16="http://schemas.microsoft.com/office/drawing/2014/main" id="{D0A496BB-AA13-44AE-AFA6-30D4ED5099E9}"/>
+                <a16:creationId xmlns:a16="http://schemas.microsoft.com/office/drawing/2014/main" xmlns="" id="{D0A496BB-AA13-44AE-AFA6-30D4ED5099E9}"/>
               </a:ext>
             </a:extLst>
           </p:cNvPr>
@@ -10539,7 +10539,7 @@
           <p:cNvPr id="29" name="Oval 28">
             <a:extLst>
               <a:ext uri="{FF2B5EF4-FFF2-40B4-BE49-F238E27FC236}">
-                <a16:creationId xmlns="" xmlns:a16="http://schemas.microsoft.com/office/drawing/2014/main" id="{3B87B079-A5F0-D34B-90BD-17403B51EF47}"/>
+                <a16:creationId xmlns:a16="http://schemas.microsoft.com/office/drawing/2014/main" xmlns="" id="{3B87B079-A5F0-D34B-90BD-17403B51EF47}"/>
               </a:ext>
             </a:extLst>
           </p:cNvPr>
@@ -10593,7 +10593,7 @@
           <p:cNvPr id="30" name="Oval 29">
             <a:extLst>
               <a:ext uri="{FF2B5EF4-FFF2-40B4-BE49-F238E27FC236}">
-                <a16:creationId xmlns="" xmlns:a16="http://schemas.microsoft.com/office/drawing/2014/main" id="{67169BE7-153A-034D-B3C8-A226C22DE09C}"/>
+                <a16:creationId xmlns:a16="http://schemas.microsoft.com/office/drawing/2014/main" xmlns="" id="{67169BE7-153A-034D-B3C8-A226C22DE09C}"/>
               </a:ext>
             </a:extLst>
           </p:cNvPr>
@@ -10647,7 +10647,7 @@
           <p:cNvPr id="31" name="Picture Placeholder 9">
             <a:extLst>
               <a:ext uri="{FF2B5EF4-FFF2-40B4-BE49-F238E27FC236}">
-                <a16:creationId xmlns="" xmlns:a16="http://schemas.microsoft.com/office/drawing/2014/main" id="{604C6493-8619-1749-A32C-8C1C4E875339}"/>
+                <a16:creationId xmlns:a16="http://schemas.microsoft.com/office/drawing/2014/main" xmlns="" id="{604C6493-8619-1749-A32C-8C1C4E875339}"/>
               </a:ext>
             </a:extLst>
           </p:cNvPr>
@@ -10692,7 +10692,7 @@
           <p:cNvPr id="32" name="Picture Placeholder 9">
             <a:extLst>
               <a:ext uri="{FF2B5EF4-FFF2-40B4-BE49-F238E27FC236}">
-                <a16:creationId xmlns="" xmlns:a16="http://schemas.microsoft.com/office/drawing/2014/main" id="{EE25A905-577F-154D-BA89-4F485EEBC4BD}"/>
+                <a16:creationId xmlns:a16="http://schemas.microsoft.com/office/drawing/2014/main" xmlns="" id="{EE25A905-577F-154D-BA89-4F485EEBC4BD}"/>
               </a:ext>
             </a:extLst>
           </p:cNvPr>
@@ -10737,7 +10737,7 @@
           <p:cNvPr id="23" name="Group 22">
             <a:extLst>
               <a:ext uri="{FF2B5EF4-FFF2-40B4-BE49-F238E27FC236}">
-                <a16:creationId xmlns="" xmlns:a16="http://schemas.microsoft.com/office/drawing/2014/main" id="{A9677FD5-9A91-4866-B075-6DDE16433AC7}"/>
+                <a16:creationId xmlns:a16="http://schemas.microsoft.com/office/drawing/2014/main" xmlns="" id="{A9677FD5-9A91-4866-B075-6DDE16433AC7}"/>
               </a:ext>
             </a:extLst>
           </p:cNvPr>
@@ -11253,7 +11253,7 @@
           <a:p>
             <a:fld id="{A177F711-7020-994E-A797-D04033A0CF12}" type="datetime1">
               <a:rPr lang="en-US" noProof="0" smtClean="0"/>
-              <a:t>4/17/2020</a:t>
+              <a:t>4/18/2020</a:t>
             </a:fld>
             <a:endParaRPr lang="en-US" noProof="0" dirty="0"/>
           </a:p>
@@ -11342,7 +11342,7 @@
           <p:cNvPr id="14" name="Text Placeholder 13">
             <a:extLst>
               <a:ext uri="{FF2B5EF4-FFF2-40B4-BE49-F238E27FC236}">
-                <a16:creationId xmlns="" xmlns:a16="http://schemas.microsoft.com/office/drawing/2014/main" id="{9ADD13A9-A8EA-4B1C-AE31-FE189E0E8B86}"/>
+                <a16:creationId xmlns:a16="http://schemas.microsoft.com/office/drawing/2014/main" xmlns="" id="{9ADD13A9-A8EA-4B1C-AE31-FE189E0E8B86}"/>
               </a:ext>
             </a:extLst>
           </p:cNvPr>
@@ -11383,7 +11383,7 @@
           <p:cNvPr id="18" name="Text Placeholder 13">
             <a:extLst>
               <a:ext uri="{FF2B5EF4-FFF2-40B4-BE49-F238E27FC236}">
-                <a16:creationId xmlns="" xmlns:a16="http://schemas.microsoft.com/office/drawing/2014/main" id="{A2BAC124-81DA-4B8B-86CD-75C69A4D0DBB}"/>
+                <a16:creationId xmlns:a16="http://schemas.microsoft.com/office/drawing/2014/main" xmlns="" id="{A2BAC124-81DA-4B8B-86CD-75C69A4D0DBB}"/>
               </a:ext>
             </a:extLst>
           </p:cNvPr>
@@ -11454,7 +11454,7 @@
           <p:cNvPr id="32" name="Oval 31">
             <a:extLst>
               <a:ext uri="{FF2B5EF4-FFF2-40B4-BE49-F238E27FC236}">
-                <a16:creationId xmlns="" xmlns:a16="http://schemas.microsoft.com/office/drawing/2014/main" id="{F625DE42-6A2A-D745-B1F8-2AF2793533BE}"/>
+                <a16:creationId xmlns:a16="http://schemas.microsoft.com/office/drawing/2014/main" xmlns="" id="{F625DE42-6A2A-D745-B1F8-2AF2793533BE}"/>
               </a:ext>
             </a:extLst>
           </p:cNvPr>
@@ -11508,7 +11508,7 @@
           <p:cNvPr id="33" name="Picture Placeholder 9">
             <a:extLst>
               <a:ext uri="{FF2B5EF4-FFF2-40B4-BE49-F238E27FC236}">
-                <a16:creationId xmlns="" xmlns:a16="http://schemas.microsoft.com/office/drawing/2014/main" id="{A87D37E3-62A9-1F44-8520-EBED16BF1C0F}"/>
+                <a16:creationId xmlns:a16="http://schemas.microsoft.com/office/drawing/2014/main" xmlns="" id="{A87D37E3-62A9-1F44-8520-EBED16BF1C0F}"/>
               </a:ext>
             </a:extLst>
           </p:cNvPr>
@@ -11553,7 +11553,7 @@
           <p:cNvPr id="29" name="Oval 28">
             <a:extLst>
               <a:ext uri="{FF2B5EF4-FFF2-40B4-BE49-F238E27FC236}">
-                <a16:creationId xmlns="" xmlns:a16="http://schemas.microsoft.com/office/drawing/2014/main" id="{75F8797D-AFBD-534A-AC82-DE2B7BAECE83}"/>
+                <a16:creationId xmlns:a16="http://schemas.microsoft.com/office/drawing/2014/main" xmlns="" id="{75F8797D-AFBD-534A-AC82-DE2B7BAECE83}"/>
               </a:ext>
             </a:extLst>
           </p:cNvPr>
@@ -11607,7 +11607,7 @@
           <p:cNvPr id="30" name="Picture Placeholder 9">
             <a:extLst>
               <a:ext uri="{FF2B5EF4-FFF2-40B4-BE49-F238E27FC236}">
-                <a16:creationId xmlns="" xmlns:a16="http://schemas.microsoft.com/office/drawing/2014/main" id="{EFE809D2-16A3-B143-BC10-FEC397E62C62}"/>
+                <a16:creationId xmlns:a16="http://schemas.microsoft.com/office/drawing/2014/main" xmlns="" id="{EFE809D2-16A3-B143-BC10-FEC397E62C62}"/>
               </a:ext>
             </a:extLst>
           </p:cNvPr>
@@ -11652,7 +11652,7 @@
           <p:cNvPr id="23" name="Group 22">
             <a:extLst>
               <a:ext uri="{FF2B5EF4-FFF2-40B4-BE49-F238E27FC236}">
-                <a16:creationId xmlns="" xmlns:a16="http://schemas.microsoft.com/office/drawing/2014/main" id="{A9677FD5-9A91-4866-B075-6DDE16433AC7}"/>
+                <a16:creationId xmlns:a16="http://schemas.microsoft.com/office/drawing/2014/main" xmlns="" id="{A9677FD5-9A91-4866-B075-6DDE16433AC7}"/>
               </a:ext>
             </a:extLst>
           </p:cNvPr>
@@ -12168,7 +12168,7 @@
           <a:p>
             <a:fld id="{8C369370-372E-0846-B090-5E6EF97A3B62}" type="datetime1">
               <a:rPr lang="en-US" noProof="0" smtClean="0"/>
-              <a:t>4/17/2020</a:t>
+              <a:t>4/18/2020</a:t>
             </a:fld>
             <a:endParaRPr lang="en-US" noProof="0" dirty="0"/>
           </a:p>
@@ -12257,7 +12257,7 @@
           <p:cNvPr id="14" name="Text Placeholder 13">
             <a:extLst>
               <a:ext uri="{FF2B5EF4-FFF2-40B4-BE49-F238E27FC236}">
-                <a16:creationId xmlns="" xmlns:a16="http://schemas.microsoft.com/office/drawing/2014/main" id="{9ADD13A9-A8EA-4B1C-AE31-FE189E0E8B86}"/>
+                <a16:creationId xmlns:a16="http://schemas.microsoft.com/office/drawing/2014/main" xmlns="" id="{9ADD13A9-A8EA-4B1C-AE31-FE189E0E8B86}"/>
               </a:ext>
             </a:extLst>
           </p:cNvPr>
@@ -12298,7 +12298,7 @@
           <p:cNvPr id="18" name="Text Placeholder 13">
             <a:extLst>
               <a:ext uri="{FF2B5EF4-FFF2-40B4-BE49-F238E27FC236}">
-                <a16:creationId xmlns="" xmlns:a16="http://schemas.microsoft.com/office/drawing/2014/main" id="{A2BAC124-81DA-4B8B-86CD-75C69A4D0DBB}"/>
+                <a16:creationId xmlns:a16="http://schemas.microsoft.com/office/drawing/2014/main" xmlns="" id="{A2BAC124-81DA-4B8B-86CD-75C69A4D0DBB}"/>
               </a:ext>
             </a:extLst>
           </p:cNvPr>
@@ -12339,7 +12339,7 @@
           <p:cNvPr id="26" name="Text Placeholder 13">
             <a:extLst>
               <a:ext uri="{FF2B5EF4-FFF2-40B4-BE49-F238E27FC236}">
-                <a16:creationId xmlns="" xmlns:a16="http://schemas.microsoft.com/office/drawing/2014/main" id="{B493D355-B592-4395-8255-D1D4FB1CF1A6}"/>
+                <a16:creationId xmlns:a16="http://schemas.microsoft.com/office/drawing/2014/main" xmlns="" id="{B493D355-B592-4395-8255-D1D4FB1CF1A6}"/>
               </a:ext>
             </a:extLst>
           </p:cNvPr>
@@ -12380,7 +12380,7 @@
           <p:cNvPr id="28" name="Text Placeholder 13">
             <a:extLst>
               <a:ext uri="{FF2B5EF4-FFF2-40B4-BE49-F238E27FC236}">
-                <a16:creationId xmlns="" xmlns:a16="http://schemas.microsoft.com/office/drawing/2014/main" id="{D0A496BB-AA13-44AE-AFA6-30D4ED5099E9}"/>
+                <a16:creationId xmlns:a16="http://schemas.microsoft.com/office/drawing/2014/main" xmlns="" id="{D0A496BB-AA13-44AE-AFA6-30D4ED5099E9}"/>
               </a:ext>
             </a:extLst>
           </p:cNvPr>
@@ -12421,7 +12421,7 @@
           <p:cNvPr id="20" name="Oval 19">
             <a:extLst>
               <a:ext uri="{FF2B5EF4-FFF2-40B4-BE49-F238E27FC236}">
-                <a16:creationId xmlns="" xmlns:a16="http://schemas.microsoft.com/office/drawing/2014/main" id="{73963115-25B3-494B-9A13-AC92EFE94C09}"/>
+                <a16:creationId xmlns:a16="http://schemas.microsoft.com/office/drawing/2014/main" xmlns="" id="{73963115-25B3-494B-9A13-AC92EFE94C09}"/>
               </a:ext>
             </a:extLst>
           </p:cNvPr>
@@ -12475,7 +12475,7 @@
           <p:cNvPr id="21" name="Picture Placeholder 9">
             <a:extLst>
               <a:ext uri="{FF2B5EF4-FFF2-40B4-BE49-F238E27FC236}">
-                <a16:creationId xmlns="" xmlns:a16="http://schemas.microsoft.com/office/drawing/2014/main" id="{3C759269-D6E6-2B41-8BEE-8B5AFB809B6A}"/>
+                <a16:creationId xmlns:a16="http://schemas.microsoft.com/office/drawing/2014/main" xmlns="" id="{3C759269-D6E6-2B41-8BEE-8B5AFB809B6A}"/>
               </a:ext>
             </a:extLst>
           </p:cNvPr>
@@ -12520,7 +12520,7 @@
           <p:cNvPr id="22" name="Oval 21">
             <a:extLst>
               <a:ext uri="{FF2B5EF4-FFF2-40B4-BE49-F238E27FC236}">
-                <a16:creationId xmlns="" xmlns:a16="http://schemas.microsoft.com/office/drawing/2014/main" id="{43E569D5-DC38-7C46-95CD-ACFBFBF591A2}"/>
+                <a16:creationId xmlns:a16="http://schemas.microsoft.com/office/drawing/2014/main" xmlns="" id="{43E569D5-DC38-7C46-95CD-ACFBFBF591A2}"/>
               </a:ext>
             </a:extLst>
           </p:cNvPr>
@@ -12574,7 +12574,7 @@
           <p:cNvPr id="24" name="Picture Placeholder 9">
             <a:extLst>
               <a:ext uri="{FF2B5EF4-FFF2-40B4-BE49-F238E27FC236}">
-                <a16:creationId xmlns="" xmlns:a16="http://schemas.microsoft.com/office/drawing/2014/main" id="{E8396DFD-D667-2648-9BE4-6237690F7999}"/>
+                <a16:creationId xmlns:a16="http://schemas.microsoft.com/office/drawing/2014/main" xmlns="" id="{E8396DFD-D667-2648-9BE4-6237690F7999}"/>
               </a:ext>
             </a:extLst>
           </p:cNvPr>
@@ -13562,7 +13562,7 @@
             <a:fld id="{36ACA6CA-E140-824D-8E8B-5CC5036BDBAE}" type="datetime1">
               <a:rPr lang="en-US" noProof="0" smtClean="0"/>
               <a:pPr/>
-              <a:t>4/17/2020</a:t>
+              <a:t>4/18/2020</a:t>
             </a:fld>
             <a:endParaRPr lang="en-US" noProof="0" dirty="0"/>
           </a:p>
@@ -14131,7 +14131,7 @@
           <p:cNvPr id="2" name="Title 1">
             <a:extLst>
               <a:ext uri="{FF2B5EF4-FFF2-40B4-BE49-F238E27FC236}">
-                <a16:creationId xmlns="" xmlns:a16="http://schemas.microsoft.com/office/drawing/2014/main" id="{1129B41E-FC51-4047-9C2D-7FA6782DAFEB}"/>
+                <a16:creationId xmlns:a16="http://schemas.microsoft.com/office/drawing/2014/main" xmlns="" id="{1129B41E-FC51-4047-9C2D-7FA6782DAFEB}"/>
               </a:ext>
             </a:extLst>
           </p:cNvPr>
@@ -14168,7 +14168,7 @@
           <p:cNvPr id="3" name="Subtitle 2">
             <a:extLst>
               <a:ext uri="{FF2B5EF4-FFF2-40B4-BE49-F238E27FC236}">
-                <a16:creationId xmlns="" xmlns:a16="http://schemas.microsoft.com/office/drawing/2014/main" id="{252E989F-747B-4007-9C7A-A35E8B662A7B}"/>
+                <a16:creationId xmlns:a16="http://schemas.microsoft.com/office/drawing/2014/main" xmlns="" id="{252E989F-747B-4007-9C7A-A35E8B662A7B}"/>
               </a:ext>
             </a:extLst>
           </p:cNvPr>
@@ -14243,7 +14243,7 @@
           <p:cNvPr id="2" name="Title 1">
             <a:extLst>
               <a:ext uri="{FF2B5EF4-FFF2-40B4-BE49-F238E27FC236}">
-                <a16:creationId xmlns="" xmlns:a16="http://schemas.microsoft.com/office/drawing/2014/main" id="{09588723-F88E-4F02-B1A9-D1224233BEEF}"/>
+                <a16:creationId xmlns:a16="http://schemas.microsoft.com/office/drawing/2014/main" xmlns="" id="{09588723-F88E-4F02-B1A9-D1224233BEEF}"/>
               </a:ext>
             </a:extLst>
           </p:cNvPr>
@@ -14285,7 +14285,7 @@
           <p:cNvPr id="7" name="Slide Number Placeholder 6">
             <a:extLst>
               <a:ext uri="{FF2B5EF4-FFF2-40B4-BE49-F238E27FC236}">
-                <a16:creationId xmlns="" xmlns:a16="http://schemas.microsoft.com/office/drawing/2014/main" id="{6B48CA6F-C72D-F944-B10D-0504BB669B47}"/>
+                <a16:creationId xmlns:a16="http://schemas.microsoft.com/office/drawing/2014/main" xmlns="" id="{6B48CA6F-C72D-F944-B10D-0504BB669B47}"/>
               </a:ext>
             </a:extLst>
           </p:cNvPr>
@@ -15006,7 +15006,7 @@
           <p:cNvPr id="4" name="Title 3">
             <a:extLst>
               <a:ext uri="{FF2B5EF4-FFF2-40B4-BE49-F238E27FC236}">
-                <a16:creationId xmlns="" xmlns:a16="http://schemas.microsoft.com/office/drawing/2014/main" id="{E98DCA46-603B-4178-8707-30E192CE6B8D}"/>
+                <a16:creationId xmlns:a16="http://schemas.microsoft.com/office/drawing/2014/main" xmlns="" id="{E98DCA46-603B-4178-8707-30E192CE6B8D}"/>
               </a:ext>
             </a:extLst>
           </p:cNvPr>
@@ -15886,7 +15886,7 @@
           <p:cNvPr id="32" name="Slide Number Placeholder 6">
             <a:extLst>
               <a:ext uri="{FF2B5EF4-FFF2-40B4-BE49-F238E27FC236}">
-                <a16:creationId xmlns="" xmlns:a16="http://schemas.microsoft.com/office/drawing/2014/main" id="{6B48CA6F-C72D-F944-B10D-0504BB669B47}"/>
+                <a16:creationId xmlns:a16="http://schemas.microsoft.com/office/drawing/2014/main" xmlns="" id="{6B48CA6F-C72D-F944-B10D-0504BB669B47}"/>
               </a:ext>
             </a:extLst>
           </p:cNvPr>
@@ -16031,7 +16031,7 @@
           <p:cNvPr id="4" name="Title 3">
             <a:extLst>
               <a:ext uri="{FF2B5EF4-FFF2-40B4-BE49-F238E27FC236}">
-                <a16:creationId xmlns="" xmlns:a16="http://schemas.microsoft.com/office/drawing/2014/main" id="{E98DCA46-603B-4178-8707-30E192CE6B8D}"/>
+                <a16:creationId xmlns:a16="http://schemas.microsoft.com/office/drawing/2014/main" xmlns="" id="{E98DCA46-603B-4178-8707-30E192CE6B8D}"/>
               </a:ext>
             </a:extLst>
           </p:cNvPr>
@@ -16120,7 +16120,7 @@
           <p:cNvPr id="32" name="Slide Number Placeholder 6">
             <a:extLst>
               <a:ext uri="{FF2B5EF4-FFF2-40B4-BE49-F238E27FC236}">
-                <a16:creationId xmlns="" xmlns:a16="http://schemas.microsoft.com/office/drawing/2014/main" id="{6B48CA6F-C72D-F944-B10D-0504BB669B47}"/>
+                <a16:creationId xmlns:a16="http://schemas.microsoft.com/office/drawing/2014/main" xmlns="" id="{6B48CA6F-C72D-F944-B10D-0504BB669B47}"/>
               </a:ext>
             </a:extLst>
           </p:cNvPr>
@@ -17517,7 +17517,15 @@
             <a:pPr algn="l"/>
             <a:r>
               <a:rPr lang="en-US" sz="1200" dirty="0" smtClean="0"/>
-              <a:t>       Team_10.ova: </a:t>
+              <a:t>       </a:t>
+            </a:r>
+            <a:r>
+              <a:rPr lang="en-US" sz="1200" dirty="0" smtClean="0"/>
+              <a:t>team_10.ova</a:t>
+            </a:r>
+            <a:r>
+              <a:rPr lang="en-US" sz="1200" dirty="0" smtClean="0"/>
+              <a:t>: </a:t>
             </a:r>
             <a:r>
               <a:rPr lang="en-US" sz="1200" b="1" dirty="0" smtClean="0">
@@ -17743,7 +17751,6 @@
               <a:rPr lang="en-US" noProof="0" dirty="0"/>
               <a:t>5</a:t>
             </a:r>
-            <a:endParaRPr lang="en-US" noProof="0" dirty="0"/>
           </a:p>
         </p:txBody>
       </p:sp>
@@ -18002,7 +18009,6 @@
               <a:rPr lang="en-US" dirty="0"/>
               <a:t>Fuel &amp; Energy Impacts</a:t>
             </a:r>
-            <a:endParaRPr lang="en-US" dirty="0"/>
           </a:p>
         </p:txBody>
       </p:sp>
@@ -18025,7 +18031,6 @@
               <a:rPr lang="en-US" noProof="0" dirty="0"/>
               <a:t>6</a:t>
             </a:r>
-            <a:endParaRPr lang="en-US" noProof="0" dirty="0"/>
           </a:p>
         </p:txBody>
       </p:sp>
@@ -18129,7 +18134,7 @@
           <p:nvPr>
             <p:extLst>
               <p:ext uri="{D42A27DB-BD31-4B8C-83A1-F6EECF244321}">
-                <p14:modId xmlns:p14="http://schemas.microsoft.com/office/powerpoint/2010/main" val="2469885796"/>
+                <p14:modId xmlns:p14="http://schemas.microsoft.com/office/powerpoint/2010/main" val="1963030344"/>
               </p:ext>
             </p:extLst>
           </p:nvPr>
@@ -18599,8 +18604,24 @@
                     <a:p>
                       <a:pPr algn="ctr"/>
                       <a:r>
+                        <a:rPr lang="en-US" sz="1200" smtClean="0"/>
+                        <a:t>thrust </a:t>
+                      </a:r>
+                      <a:r>
+                        <a:rPr lang="en-US" sz="1200" smtClean="0"/>
+                        <a:t>costs fuel of </a:t>
+                      </a:r>
+                      <a:r>
+                        <a:rPr lang="en-US" sz="1200" smtClean="0"/>
+                        <a:t>1,2,3 </a:t>
+                      </a:r>
+                      <a:r>
+                        <a:rPr lang="en-US" sz="1200" smtClean="0"/>
+                        <a:t>based </a:t>
+                      </a:r>
+                      <a:r>
                         <a:rPr lang="en-US" sz="1200" dirty="0" smtClean="0"/>
-                        <a:t>thrust costs 1,2,3 fuel based on the steps </a:t>
+                        <a:t>on the steps </a:t>
                       </a:r>
                       <a:endParaRPr lang="en-US" sz="1200" dirty="0"/>
                     </a:p>
@@ -18684,7 +18705,6 @@
               <a:rPr lang="en-US" noProof="0" dirty="0"/>
               <a:t>6</a:t>
             </a:r>
-            <a:endParaRPr lang="en-US" noProof="0" dirty="0"/>
           </a:p>
         </p:txBody>
       </p:sp>
@@ -19420,7 +19440,40 @@
                   </a:schemeClr>
                 </a:solidFill>
               </a:rPr>
-              <a:t>files and save it to report.txt, </a:t>
+              <a:t>files and save it to </a:t>
+            </a:r>
+            <a:r>
+              <a:rPr lang="en-US" sz="1200" dirty="0" smtClean="0">
+                <a:solidFill>
+                  <a:schemeClr val="tx1">
+                    <a:lumMod val="75000"/>
+                    <a:lumOff val="25000"/>
+                  </a:schemeClr>
+                </a:solidFill>
+              </a:rPr>
+              <a:t>report.</a:t>
+            </a:r>
+            <a:r>
+              <a:rPr lang="en-US" altLang="zh-CN" sz="1200" dirty="0" smtClean="0">
+                <a:solidFill>
+                  <a:schemeClr val="tx1">
+                    <a:lumMod val="75000"/>
+                    <a:lumOff val="25000"/>
+                  </a:schemeClr>
+                </a:solidFill>
+              </a:rPr>
+              <a:t>log</a:t>
+            </a:r>
+            <a:r>
+              <a:rPr lang="en-US" sz="1200" dirty="0" smtClean="0">
+                <a:solidFill>
+                  <a:schemeClr val="tx1">
+                    <a:lumMod val="75000"/>
+                    <a:lumOff val="25000"/>
+                  </a:schemeClr>
+                </a:solidFill>
+              </a:rPr>
+              <a:t>, </a:t>
             </a:r>
             <a:r>
               <a:rPr lang="en-US" sz="1200" dirty="0">
@@ -19455,27 +19508,8 @@
                   </a:schemeClr>
                 </a:solidFill>
               </a:rPr>
-              <a:t>    ./test.sh </a:t>
-            </a:r>
-            <a:r>
-              <a:rPr lang="en-US" sz="1200" b="1" smtClean="0">
-                <a:solidFill>
-                  <a:schemeClr val="tx1">
-                    <a:lumMod val="75000"/>
-                    <a:lumOff val="25000"/>
-                  </a:schemeClr>
-                </a:solidFill>
-              </a:rPr>
-              <a:t>&gt; report.log</a:t>
-            </a:r>
-            <a:endParaRPr lang="en-US" sz="1200" b="1" dirty="0" smtClean="0">
-              <a:solidFill>
-                <a:schemeClr val="tx1">
-                  <a:lumMod val="75000"/>
-                  <a:lumOff val="25000"/>
-                </a:schemeClr>
-              </a:solidFill>
-            </a:endParaRPr>
+              <a:t>    ./test.sh &gt; report.log</a:t>
+            </a:r>
           </a:p>
         </p:txBody>
       </p:sp>
@@ -20637,6 +20671,15 @@
 </file>
 
 <file path=customXml/item2.xml><?xml version="1.0" encoding="utf-8"?>
+<?mso-contentType ?>
+<FormTemplates xmlns="http://schemas.microsoft.com/sharepoint/v3/contenttype/forms">
+  <Display>DocumentLibraryForm</Display>
+  <Edit>DocumentLibraryForm</Edit>
+  <New>DocumentLibraryForm</New>
+</FormTemplates>
+</file>
+
+<file path=customXml/item3.xml><?xml version="1.0" encoding="utf-8"?>
 <ct:contentTypeSchema xmlns:ct="http://schemas.microsoft.com/office/2006/metadata/contentType" xmlns:ma="http://schemas.microsoft.com/office/2006/metadata/properties/metaAttributes" ct:_="" ma:_="" ma:contentTypeName="Document" ma:contentTypeID="0x01010079F111ED35F8CC479449609E8A0923A6" ma:contentTypeVersion="11" ma:contentTypeDescription="Create a new document." ma:contentTypeScope="" ma:versionID="96291512c1ee715ab617f4c07df79fc1">
   <xsd:schema xmlns:xsd="http://www.w3.org/2001/XMLSchema" xmlns:xs="http://www.w3.org/2001/XMLSchema" xmlns:p="http://schemas.microsoft.com/office/2006/metadata/properties" xmlns:ns2="71af3243-3dd4-4a8d-8c0d-dd76da1f02a5" xmlns:ns3="16c05727-aa75-4e4a-9b5f-8a80a1165891" targetNamespace="http://schemas.microsoft.com/office/2006/metadata/properties" ma:root="true" ma:fieldsID="8256c27c40ca5c40ce1cf6c44f0205df" ns2:_="" ns3:_="">
     <xsd:import namespace="71af3243-3dd4-4a8d-8c0d-dd76da1f02a5"/>
@@ -20847,15 +20890,6 @@
 </ct:contentTypeSchema>
 </file>
 
-<file path=customXml/item3.xml><?xml version="1.0" encoding="utf-8"?>
-<?mso-contentType ?>
-<FormTemplates xmlns="http://schemas.microsoft.com/sharepoint/v3/contenttype/forms">
-  <Display>DocumentLibraryForm</Display>
-  <Edit>DocumentLibraryForm</Edit>
-  <New>DocumentLibraryForm</New>
-</FormTemplates>
-</file>
-
 <file path=customXml/itemProps1.xml><?xml version="1.0" encoding="utf-8"?>
 <ds:datastoreItem xmlns:ds="http://schemas.openxmlformats.org/officeDocument/2006/customXml" ds:itemID="{F983CA34-C6E2-49BA-ACFF-78ADEC0C28FA}">
   <ds:schemaRefs>
@@ -20874,6 +20908,14 @@
 </file>
 
 <file path=customXml/itemProps2.xml><?xml version="1.0" encoding="utf-8"?>
+<ds:datastoreItem xmlns:ds="http://schemas.openxmlformats.org/officeDocument/2006/customXml" ds:itemID="{CCB9AE35-8A31-4380-94A6-86E5DFCDD123}">
+  <ds:schemaRefs>
+    <ds:schemaRef ds:uri="http://schemas.microsoft.com/sharepoint/v3/contenttype/forms"/>
+  </ds:schemaRefs>
+</ds:datastoreItem>
+</file>
+
+<file path=customXml/itemProps3.xml><?xml version="1.0" encoding="utf-8"?>
 <ds:datastoreItem xmlns:ds="http://schemas.openxmlformats.org/officeDocument/2006/customXml" ds:itemID="{570D0EAE-52CD-493E-A174-3A7CD0E9C7B2}">
   <ds:schemaRefs>
     <ds:schemaRef ds:uri="http://schemas.microsoft.com/office/2006/metadata/contentType"/>
@@ -20890,12 +20932,4 @@
     <ds:schemaRef ds:uri="http://schemas.microsoft.com/internal/obd"/>
   </ds:schemaRefs>
 </ds:datastoreItem>
-</file>
-
-<file path=customXml/itemProps3.xml><?xml version="1.0" encoding="utf-8"?>
-<ds:datastoreItem xmlns:ds="http://schemas.openxmlformats.org/officeDocument/2006/customXml" ds:itemID="{CCB9AE35-8A31-4380-94A6-86E5DFCDD123}">
-  <ds:schemaRefs>
-    <ds:schemaRef ds:uri="http://schemas.microsoft.com/sharepoint/v3/contenttype/forms"/>
-  </ds:schemaRefs>
-</ds:datastoreItem>
 </file>